--- a/ppt/R-07-Graphic.pptx
+++ b/ppt/R-07-Graphic.pptx
@@ -5,10 +5,10 @@
     <p:sldMasterId id="2147483653" r:id="rId1"/>
   </p:sldMasterIdLst>
   <p:notesMasterIdLst>
-    <p:notesMasterId r:id="rId12"/>
+    <p:notesMasterId r:id="rId13"/>
   </p:notesMasterIdLst>
   <p:handoutMasterIdLst>
-    <p:handoutMasterId r:id="rId13"/>
+    <p:handoutMasterId r:id="rId14"/>
   </p:handoutMasterIdLst>
   <p:sldIdLst>
     <p:sldId id="264" r:id="rId2"/>
@@ -16,11 +16,12 @@
     <p:sldId id="266" r:id="rId4"/>
     <p:sldId id="277" r:id="rId5"/>
     <p:sldId id="267" r:id="rId6"/>
-    <p:sldId id="278" r:id="rId7"/>
-    <p:sldId id="272" r:id="rId8"/>
-    <p:sldId id="273" r:id="rId9"/>
-    <p:sldId id="274" r:id="rId10"/>
-    <p:sldId id="275" r:id="rId11"/>
+    <p:sldId id="279" r:id="rId7"/>
+    <p:sldId id="280" r:id="rId8"/>
+    <p:sldId id="281" r:id="rId9"/>
+    <p:sldId id="278" r:id="rId10"/>
+    <p:sldId id="283" r:id="rId11"/>
+    <p:sldId id="282" r:id="rId12"/>
   </p:sldIdLst>
   <p:sldSz cx="9144000" cy="6858000" type="screen4x3"/>
   <p:notesSz cx="6648450" cy="9782175"/>
@@ -3811,8 +3812,106 @@
           <a:lstStyle/>
           <a:p>
             <a:r>
+              <a:rPr lang="fr-FR" dirty="0" err="1"/>
+              <a:t>L</a:t>
+            </a:r>
+            <a:r>
               <a:rPr lang="fr-FR" dirty="0" err="1" smtClean="0"/>
-              <a:t>subplot</a:t>
+              <a:t>ayout</a:t>
+            </a:r>
+            <a:endParaRPr lang="fr-FR" dirty="0"/>
+          </a:p>
+        </p:txBody>
+      </p:sp>
+      <p:sp>
+        <p:nvSpPr>
+          <p:cNvPr id="3" name="Espace réservé du contenu 2"/>
+          <p:cNvSpPr>
+            <a:spLocks noGrp="1"/>
+          </p:cNvSpPr>
+          <p:nvPr>
+            <p:ph idx="1"/>
+          </p:nvPr>
+        </p:nvSpPr>
+        <p:spPr/>
+        <p:txBody>
+          <a:bodyPr/>
+          <a:lstStyle/>
+          <a:p>
+            <a:r>
+              <a:rPr lang="fr-FR" dirty="0"/>
+              <a:t>Faire une fenêtre avec plusieurs graphiques</a:t>
+            </a:r>
+          </a:p>
+          <a:p>
+            <a:r>
+              <a:rPr lang="fr-FR" dirty="0"/>
+              <a:t>Partitionner la fenêtre pour tracer plusieurs fenêtres. </a:t>
+            </a:r>
+            <a:r>
+              <a:rPr lang="fr-FR" dirty="0" err="1"/>
+              <a:t>layout</a:t>
+            </a:r>
+            <a:r>
+              <a:rPr lang="fr-FR" dirty="0"/>
+              <a:t>(matrix(1:nb,y,x))</a:t>
+            </a:r>
+          </a:p>
+          <a:p>
+            <a:pPr lvl="1"/>
+            <a:r>
+              <a:rPr lang="fr-FR" dirty="0"/>
+              <a:t>nb : nombre total de graphiques</a:t>
+            </a:r>
+          </a:p>
+          <a:p>
+            <a:pPr lvl="1"/>
+            <a:r>
+              <a:rPr lang="fr-FR" dirty="0"/>
+              <a:t>y : nombre de lignes</a:t>
+            </a:r>
+          </a:p>
+          <a:p>
+            <a:pPr lvl="1"/>
+            <a:r>
+              <a:rPr lang="fr-FR" dirty="0"/>
+              <a:t>x : nombre de </a:t>
+            </a:r>
+            <a:r>
+              <a:rPr lang="fr-FR" dirty="0" smtClean="0"/>
+              <a:t>colonnes</a:t>
+            </a:r>
+          </a:p>
+          <a:p>
+            <a:r>
+              <a:rPr lang="fr-FR" dirty="0" smtClean="0"/>
+              <a:t>Exemple</a:t>
+            </a:r>
+          </a:p>
+          <a:p>
+            <a:pPr lvl="1"/>
+            <a:r>
+              <a:rPr lang="en-US" dirty="0"/>
+              <a:t>layout(matrix(1:2,1,2))</a:t>
+            </a:r>
+          </a:p>
+          <a:p>
+            <a:pPr lvl="1"/>
+            <a:r>
+              <a:rPr lang="en-US" dirty="0"/>
+              <a:t>boxplot(c(1:10),col="#FAD4B1") </a:t>
+            </a:r>
+            <a:r>
+              <a:rPr lang="en-US" dirty="0" err="1" smtClean="0"/>
+              <a:t>hist</a:t>
+            </a:r>
+            <a:r>
+              <a:rPr lang="en-US" dirty="0" smtClean="0"/>
+              <a:t>(c(3:14,4,5,6,5,6,6</a:t>
+            </a:r>
+            <a:r>
+              <a:rPr lang="en-US" dirty="0"/>
+              <a:t>),main="",col="#EF8F36")</a:t>
             </a:r>
             <a:endParaRPr lang="fr-FR" dirty="0"/>
           </a:p>
@@ -3820,13 +3919,11 @@
       </p:sp>
       <p:pic>
         <p:nvPicPr>
-          <p:cNvPr id="4" name="Espace réservé du contenu 3"/>
+          <p:cNvPr id="6" name="Image 5"/>
           <p:cNvPicPr>
-            <a:picLocks noGrp="1" noChangeAspect="1"/>
+            <a:picLocks noChangeAspect="1"/>
           </p:cNvPicPr>
-          <p:nvPr>
-            <p:ph idx="1"/>
-          </p:nvPr>
+          <p:nvPr/>
         </p:nvPicPr>
         <p:blipFill>
           <a:blip r:embed="rId2"/>
@@ -3836,72 +3933,154 @@
         </p:blipFill>
         <p:spPr>
           <a:xfrm>
-            <a:off x="251520" y="2348880"/>
-            <a:ext cx="3456384" cy="2265852"/>
+            <a:off x="5724128" y="3861048"/>
+            <a:ext cx="3108544" cy="1613545"/>
           </a:xfrm>
           <a:prstGeom prst="rect">
             <a:avLst/>
           </a:prstGeom>
         </p:spPr>
       </p:pic>
-      <p:pic>
-        <p:nvPicPr>
-          <p:cNvPr id="6146" name="Picture 2" descr="../../_images/subplots_demo_05.png"/>
-          <p:cNvPicPr>
-            <a:picLocks noChangeAspect="1" noChangeArrowheads="1"/>
-          </p:cNvPicPr>
-          <p:nvPr/>
-        </p:nvPicPr>
-        <p:blipFill>
-          <a:blip r:embed="rId3">
-            <a:extLst>
-              <a:ext uri="{28A0092B-C50C-407E-A947-70E740481C1C}">
-                <a14:useLocalDpi xmlns:a14="http://schemas.microsoft.com/office/drawing/2010/main" val="0"/>
-              </a:ext>
-            </a:extLst>
-          </a:blip>
-          <a:srcRect/>
-          <a:stretch>
-            <a:fillRect/>
-          </a:stretch>
-        </p:blipFill>
-        <p:spPr bwMode="auto">
-          <a:xfrm>
-            <a:off x="3923703" y="1480765"/>
-            <a:ext cx="5238750" cy="4286250"/>
-          </a:xfrm>
-          <a:prstGeom prst="rect">
-            <a:avLst/>
-          </a:prstGeom>
-          <a:noFill/>
-          <a:extLst>
-            <a:ext uri="{909E8E84-426E-40DD-AFC4-6F175D3DCCD1}">
-              <a14:hiddenFill xmlns:a14="http://schemas.microsoft.com/office/drawing/2010/main">
-                <a:solidFill>
-                  <a:srgbClr val="FFFFFF"/>
-                </a:solidFill>
-              </a14:hiddenFill>
-            </a:ext>
-          </a:extLst>
-        </p:spPr>
-      </p:pic>
     </p:spTree>
     <p:extLst>
       <p:ext uri="{BB962C8B-B14F-4D97-AF65-F5344CB8AC3E}">
-        <p14:creationId xmlns:p14="http://schemas.microsoft.com/office/powerpoint/2010/main" val="1702994539"/>
+        <p14:creationId xmlns:p14="http://schemas.microsoft.com/office/powerpoint/2010/main" val="3680305074"/>
       </p:ext>
     </p:extLst>
   </p:cSld>
   <p:clrMapOvr>
     <a:masterClrMapping/>
   </p:clrMapOvr>
-  <p:timing>
-    <p:tnLst>
-      <p:par>
-        <p:cTn id="1" dur="indefinite" restart="never" nodeType="tmRoot"/>
-      </p:par>
-    </p:tnLst>
-  </p:timing>
+</p:sld>
+</file>
+
+<file path=ppt/slides/slide11.xml><?xml version="1.0" encoding="utf-8"?>
+<p:sld xmlns:a="http://schemas.openxmlformats.org/drawingml/2006/main" xmlns:r="http://schemas.openxmlformats.org/officeDocument/2006/relationships" xmlns:p="http://schemas.openxmlformats.org/presentationml/2006/main">
+  <p:cSld>
+    <p:spTree>
+      <p:nvGrpSpPr>
+        <p:cNvPr id="1" name=""/>
+        <p:cNvGrpSpPr/>
+        <p:nvPr/>
+      </p:nvGrpSpPr>
+      <p:grpSpPr>
+        <a:xfrm>
+          <a:off x="0" y="0"/>
+          <a:ext cx="0" cy="0"/>
+          <a:chOff x="0" y="0"/>
+          <a:chExt cx="0" cy="0"/>
+        </a:xfrm>
+      </p:grpSpPr>
+      <p:sp>
+        <p:nvSpPr>
+          <p:cNvPr id="2" name="Titre 1"/>
+          <p:cNvSpPr>
+            <a:spLocks noGrp="1"/>
+          </p:cNvSpPr>
+          <p:nvPr>
+            <p:ph type="title"/>
+          </p:nvPr>
+        </p:nvSpPr>
+        <p:spPr/>
+        <p:txBody>
+          <a:bodyPr/>
+          <a:lstStyle/>
+          <a:p>
+            <a:r>
+              <a:rPr lang="fr-FR" dirty="0" err="1" smtClean="0"/>
+              <a:t>Sauvergarder</a:t>
+            </a:r>
+            <a:endParaRPr lang="fr-FR" dirty="0"/>
+          </a:p>
+        </p:txBody>
+      </p:sp>
+      <p:sp>
+        <p:nvSpPr>
+          <p:cNvPr id="3" name="Espace réservé du contenu 2"/>
+          <p:cNvSpPr>
+            <a:spLocks noGrp="1"/>
+          </p:cNvSpPr>
+          <p:nvPr>
+            <p:ph idx="1"/>
+          </p:nvPr>
+        </p:nvSpPr>
+        <p:spPr/>
+        <p:txBody>
+          <a:bodyPr/>
+          <a:lstStyle/>
+          <a:p>
+            <a:r>
+              <a:rPr lang="fr-FR" dirty="0" smtClean="0"/>
+              <a:t>Démarrer le graphique par </a:t>
+            </a:r>
+            <a:r>
+              <a:rPr lang="fr-FR" dirty="0" err="1" smtClean="0"/>
+              <a:t>pdf</a:t>
+            </a:r>
+            <a:r>
+              <a:rPr lang="fr-FR" dirty="0" smtClean="0"/>
+              <a:t>() ou </a:t>
+            </a:r>
+            <a:r>
+              <a:rPr lang="fr-FR" dirty="0" err="1" smtClean="0"/>
+              <a:t>png</a:t>
+            </a:r>
+            <a:r>
+              <a:rPr lang="fr-FR" dirty="0" smtClean="0"/>
+              <a:t>()</a:t>
+            </a:r>
+          </a:p>
+          <a:p>
+            <a:r>
+              <a:rPr lang="fr-FR" dirty="0" smtClean="0"/>
+              <a:t>Déclencher la sauvegarde par </a:t>
+            </a:r>
+            <a:r>
+              <a:rPr lang="fr-FR" dirty="0" err="1" smtClean="0"/>
+              <a:t>dev.off</a:t>
+            </a:r>
+            <a:r>
+              <a:rPr lang="fr-FR" dirty="0" smtClean="0"/>
+              <a:t>()</a:t>
+            </a:r>
+            <a:endParaRPr lang="fr-FR" dirty="0"/>
+          </a:p>
+        </p:txBody>
+      </p:sp>
+      <p:pic>
+        <p:nvPicPr>
+          <p:cNvPr id="5" name="Image 4"/>
+          <p:cNvPicPr>
+            <a:picLocks noChangeAspect="1"/>
+          </p:cNvPicPr>
+          <p:nvPr/>
+        </p:nvPicPr>
+        <p:blipFill>
+          <a:blip r:embed="rId2"/>
+          <a:stretch>
+            <a:fillRect/>
+          </a:stretch>
+        </p:blipFill>
+        <p:spPr>
+          <a:xfrm>
+            <a:off x="261999" y="2924944"/>
+            <a:ext cx="8601075" cy="1685925"/>
+          </a:xfrm>
+          <a:prstGeom prst="rect">
+            <a:avLst/>
+          </a:prstGeom>
+        </p:spPr>
+      </p:pic>
+    </p:spTree>
+    <p:extLst>
+      <p:ext uri="{BB962C8B-B14F-4D97-AF65-F5344CB8AC3E}">
+        <p14:creationId xmlns:p14="http://schemas.microsoft.com/office/powerpoint/2010/main" val="836875977"/>
+      </p:ext>
+    </p:extLst>
+  </p:cSld>
+  <p:clrMapOvr>
+    <a:masterClrMapping/>
+  </p:clrMapOvr>
 </p:sld>
 </file>
 
@@ -4316,93 +4495,187 @@
           </a:p>
           <a:p>
             <a:r>
+              <a:rPr lang="fr-FR" dirty="0" smtClean="0"/>
+              <a:t>plot(x</a:t>
+            </a:r>
+            <a:r>
               <a:rPr lang="fr-FR" dirty="0"/>
-              <a:t>p</a:t>
+              <a:t>, </a:t>
             </a:r>
             <a:r>
               <a:rPr lang="fr-FR" dirty="0" smtClean="0"/>
-              <a:t>lot(y)</a:t>
-            </a:r>
+              <a:t>y</a:t>
+            </a:r>
+            <a:r>
+              <a:rPr lang="fr-FR" dirty="0" smtClean="0"/>
+              <a:t>, </a:t>
+            </a:r>
+            <a:r>
+              <a:rPr lang="fr-FR" dirty="0" err="1" smtClean="0"/>
+              <a:t>pch</a:t>
+            </a:r>
+            <a:r>
+              <a:rPr lang="fr-FR" dirty="0" smtClean="0"/>
+              <a:t> = 1</a:t>
+            </a:r>
+            <a:r>
+              <a:rPr lang="fr-FR" dirty="0" smtClean="0"/>
+              <a:t>)</a:t>
+            </a:r>
+            <a:endParaRPr lang="fr-FR" dirty="0" smtClean="0"/>
           </a:p>
           <a:p>
             <a:pPr lvl="1"/>
             <a:r>
-              <a:rPr lang="fr-FR" dirty="0"/>
-              <a:t>x</a:t>
-            </a:r>
+              <a:rPr lang="fr-FR" dirty="0" err="1" smtClean="0"/>
+              <a:t>pch</a:t>
+            </a:r>
+            <a:endParaRPr lang="fr-FR" dirty="0" smtClean="0"/>
+          </a:p>
+          <a:p>
+            <a:pPr lvl="1"/>
             <a:r>
               <a:rPr lang="fr-FR" dirty="0" smtClean="0"/>
-              <a:t> sera un range[0,len(y)]</a:t>
-            </a:r>
-          </a:p>
-          <a:p>
-            <a:r>
-              <a:rPr lang="fr-FR" dirty="0"/>
-              <a:t>plot(x, y, '</a:t>
-            </a:r>
-            <a:r>
-              <a:rPr lang="fr-FR" dirty="0" err="1"/>
-              <a:t>bo</a:t>
-            </a:r>
+              <a:t>col = couleur</a:t>
+            </a:r>
+          </a:p>
+          <a:p>
+            <a:pPr lvl="1"/>
             <a:r>
               <a:rPr lang="fr-FR" dirty="0" smtClean="0"/>
-              <a:t>')</a:t>
+              <a:t>col = "</a:t>
+            </a:r>
+            <a:r>
+              <a:rPr lang="fr-FR" dirty="0" err="1" smtClean="0"/>
+              <a:t>red</a:t>
+            </a:r>
+            <a:r>
+              <a:rPr lang="fr-FR" dirty="0" smtClean="0"/>
+              <a:t>"</a:t>
             </a:r>
           </a:p>
           <a:p>
             <a:pPr lvl="1"/>
             <a:r>
               <a:rPr lang="fr-FR" dirty="0" smtClean="0"/>
-              <a:t>Le troisième paramètre est le style</a:t>
+              <a:t>col = c("</a:t>
+            </a:r>
+            <a:r>
+              <a:rPr lang="fr-FR" dirty="0" err="1" smtClean="0"/>
+              <a:t>red</a:t>
+            </a:r>
+            <a:r>
+              <a:rPr lang="fr-FR" dirty="0" smtClean="0"/>
+              <a:t>","</a:t>
+            </a:r>
+            <a:r>
+              <a:rPr lang="fr-FR" dirty="0" err="1" smtClean="0"/>
+              <a:t>blue</a:t>
+            </a:r>
+            <a:r>
+              <a:rPr lang="fr-FR" dirty="0" smtClean="0"/>
+              <a:t>")</a:t>
             </a:r>
           </a:p>
           <a:p>
             <a:pPr lvl="1"/>
             <a:r>
               <a:rPr lang="fr-FR" dirty="0" smtClean="0"/>
-              <a:t>Le premier caractère est la couleur</a:t>
-            </a:r>
+              <a:t>main = </a:t>
+            </a:r>
+            <a:r>
+              <a:rPr lang="fr-FR" dirty="0" err="1" smtClean="0"/>
+              <a:t>title</a:t>
+            </a:r>
+            <a:endParaRPr lang="fr-FR" dirty="0" smtClean="0"/>
           </a:p>
           <a:p>
             <a:pPr lvl="1"/>
             <a:r>
+              <a:rPr lang="fr-FR" dirty="0" err="1" smtClean="0"/>
+              <a:t>sub</a:t>
+            </a:r>
+            <a:r>
               <a:rPr lang="fr-FR" dirty="0" smtClean="0"/>
-              <a:t>Le 2</a:t>
-            </a:r>
-            <a:r>
-              <a:rPr lang="fr-FR" baseline="30000" dirty="0" smtClean="0"/>
-              <a:t>ème</a:t>
+              <a:t> = </a:t>
+            </a:r>
+            <a:r>
+              <a:rPr lang="fr-FR" dirty="0" err="1" smtClean="0"/>
+              <a:t>subtitle</a:t>
+            </a:r>
+            <a:endParaRPr lang="fr-FR" dirty="0" smtClean="0"/>
+          </a:p>
+          <a:p>
+            <a:pPr lvl="1"/>
+            <a:r>
+              <a:rPr lang="fr-FR" dirty="0" err="1" smtClean="0"/>
+              <a:t>cex</a:t>
             </a:r>
             <a:r>
               <a:rPr lang="fr-FR" dirty="0" smtClean="0"/>
-              <a:t> caractère est le style</a:t>
-            </a:r>
-            <a:endParaRPr lang="fr-FR" dirty="0"/>
+              <a:t> = taille des points</a:t>
+            </a:r>
+          </a:p>
+          <a:p>
+            <a:pPr lvl="1"/>
+            <a:r>
+              <a:rPr lang="fr-FR" dirty="0" err="1" smtClean="0"/>
+              <a:t>lwd</a:t>
+            </a:r>
+            <a:r>
+              <a:rPr lang="fr-FR" dirty="0" smtClean="0"/>
+              <a:t> = </a:t>
+            </a:r>
+            <a:r>
+              <a:rPr lang="fr-FR" dirty="0" err="1" smtClean="0"/>
+              <a:t>epaisseur</a:t>
+            </a:r>
+            <a:r>
+              <a:rPr lang="fr-FR" dirty="0" smtClean="0"/>
+              <a:t> des lignes</a:t>
+            </a:r>
           </a:p>
         </p:txBody>
       </p:sp>
       <p:pic>
         <p:nvPicPr>
-          <p:cNvPr id="4" name="Image 3"/>
+          <p:cNvPr id="1026" name="Picture 2" descr="Types de points dans R"/>
           <p:cNvPicPr>
-            <a:picLocks noChangeAspect="1"/>
+            <a:picLocks noChangeAspect="1" noChangeArrowheads="1"/>
           </p:cNvPicPr>
           <p:nvPr/>
         </p:nvPicPr>
         <p:blipFill>
-          <a:blip r:embed="rId2"/>
+          <a:blip r:embed="rId2">
+            <a:extLst>
+              <a:ext uri="{28A0092B-C50C-407E-A947-70E740481C1C}">
+                <a14:useLocalDpi xmlns:a14="http://schemas.microsoft.com/office/drawing/2010/main" val="0"/>
+              </a:ext>
+            </a:extLst>
+          </a:blip>
+          <a:srcRect/>
           <a:stretch>
             <a:fillRect/>
           </a:stretch>
         </p:blipFill>
-        <p:spPr>
+        <p:spPr bwMode="auto">
           <a:xfrm>
-            <a:off x="5868144" y="3933056"/>
-            <a:ext cx="2571750" cy="2343150"/>
+            <a:off x="5652120" y="2420888"/>
+            <a:ext cx="2745767" cy="2745767"/>
           </a:xfrm>
           <a:prstGeom prst="rect">
             <a:avLst/>
           </a:prstGeom>
+          <a:noFill/>
+          <a:extLst>
+            <a:ext uri="{909E8E84-426E-40DD-AFC4-6F175D3DCCD1}">
+              <a14:hiddenFill xmlns:a14="http://schemas.microsoft.com/office/drawing/2010/main">
+                <a:solidFill>
+                  <a:srgbClr val="FFFFFF"/>
+                </a:solidFill>
+              </a14:hiddenFill>
+            </a:ext>
+          </a:extLst>
         </p:spPr>
       </p:pic>
     </p:spTree>
@@ -4458,8 +4731,8 @@
           <a:lstStyle/>
           <a:p>
             <a:r>
-              <a:rPr lang="fr-FR" dirty="0" err="1" smtClean="0"/>
-              <a:t>abline</a:t>
+              <a:rPr lang="fr-FR" dirty="0" smtClean="0"/>
+              <a:t>Plot type</a:t>
             </a:r>
             <a:endParaRPr lang="fr-FR" dirty="0"/>
           </a:p>
@@ -4481,32 +4754,125 @@
           <a:lstStyle/>
           <a:p>
             <a:r>
-              <a:rPr lang="fr-FR" dirty="0" err="1" smtClean="0"/>
-              <a:t>abline</a:t>
-            </a:r>
-            <a:r>
-              <a:rPr lang="fr-FR" dirty="0" smtClean="0"/>
-              <a:t> permet d'afficher une fonction affine</a:t>
+              <a:rPr lang="fr-FR" sz="2400" dirty="0"/>
+              <a:t>plot(</a:t>
+            </a:r>
+            <a:r>
+              <a:rPr lang="fr-FR" sz="2400" dirty="0" err="1"/>
+              <a:t>x,y,type</a:t>
+            </a:r>
+            <a:r>
+              <a:rPr lang="fr-FR" sz="2400" dirty="0"/>
+              <a:t>="b")    # points reliés - espaces points-lignes</a:t>
+            </a:r>
+          </a:p>
+          <a:p>
+            <a:r>
+              <a:rPr lang="fr-FR" sz="2400" dirty="0"/>
+              <a:t>plot(</a:t>
+            </a:r>
+            <a:r>
+              <a:rPr lang="fr-FR" sz="2400" dirty="0" err="1"/>
+              <a:t>x,y,type</a:t>
+            </a:r>
+            <a:r>
+              <a:rPr lang="fr-FR" sz="2400" dirty="0"/>
+              <a:t>="o")    # points reliés - pas d'espace</a:t>
+            </a:r>
+          </a:p>
+          <a:p>
+            <a:r>
+              <a:rPr lang="fr-FR" sz="2400" dirty="0"/>
+              <a:t>plot(</a:t>
+            </a:r>
+            <a:r>
+              <a:rPr lang="fr-FR" sz="2400" dirty="0" err="1"/>
+              <a:t>x,y,type</a:t>
+            </a:r>
+            <a:r>
+              <a:rPr lang="fr-FR" sz="2400" dirty="0"/>
+              <a:t>="l")    # que les lignes</a:t>
+            </a:r>
+          </a:p>
+          <a:p>
+            <a:r>
+              <a:rPr lang="fr-FR" sz="2400" dirty="0"/>
+              <a:t>plot(</a:t>
+            </a:r>
+            <a:r>
+              <a:rPr lang="fr-FR" sz="2400" dirty="0" err="1"/>
+              <a:t>x,y,type</a:t>
+            </a:r>
+            <a:r>
+              <a:rPr lang="fr-FR" sz="2400" dirty="0"/>
+              <a:t>="p")    # que les points</a:t>
+            </a:r>
+          </a:p>
+          <a:p>
+            <a:r>
+              <a:rPr lang="fr-FR" sz="2400" dirty="0"/>
+              <a:t>plot(</a:t>
+            </a:r>
+            <a:r>
+              <a:rPr lang="fr-FR" sz="2400" dirty="0" err="1"/>
+              <a:t>x,y,type</a:t>
+            </a:r>
+            <a:r>
+              <a:rPr lang="fr-FR" sz="2400" dirty="0"/>
+              <a:t>="s")    # en marches type "histogramme</a:t>
+            </a:r>
+            <a:r>
+              <a:rPr lang="fr-FR" sz="2400" dirty="0" smtClean="0"/>
+              <a:t>"</a:t>
+            </a:r>
+          </a:p>
+          <a:p>
+            <a:endParaRPr lang="fr-FR" sz="2400" dirty="0"/>
+          </a:p>
+          <a:p>
+            <a:r>
+              <a:rPr lang="fr-FR" sz="2400" dirty="0" smtClean="0"/>
+              <a:t>Diagramme en bar</a:t>
             </a:r>
           </a:p>
           <a:p>
             <a:pPr lvl="1"/>
             <a:r>
-              <a:rPr lang="fr-FR" dirty="0" smtClean="0"/>
-              <a:t>A voir dans le </a:t>
-            </a:r>
-            <a:r>
-              <a:rPr lang="fr-FR" smtClean="0"/>
-              <a:t>prochain chapitre</a:t>
-            </a:r>
-            <a:endParaRPr lang="fr-FR" dirty="0"/>
+              <a:rPr lang="fr-FR" sz="2000" dirty="0" err="1" smtClean="0"/>
+              <a:t>barplot</a:t>
+            </a:r>
+            <a:endParaRPr lang="fr-FR" sz="2000" dirty="0"/>
           </a:p>
         </p:txBody>
       </p:sp>
+      <p:pic>
+        <p:nvPicPr>
+          <p:cNvPr id="6" name="Image 5"/>
+          <p:cNvPicPr>
+            <a:picLocks noChangeAspect="1"/>
+          </p:cNvPicPr>
+          <p:nvPr/>
+        </p:nvPicPr>
+        <p:blipFill>
+          <a:blip r:embed="rId2"/>
+          <a:stretch>
+            <a:fillRect/>
+          </a:stretch>
+        </p:blipFill>
+        <p:spPr>
+          <a:xfrm>
+            <a:off x="28082" y="5157192"/>
+            <a:ext cx="9144000" cy="1056844"/>
+          </a:xfrm>
+          <a:prstGeom prst="rect">
+            <a:avLst/>
+          </a:prstGeom>
+        </p:spPr>
+      </p:pic>
     </p:spTree>
     <p:extLst>
       <p:ext uri="{BB962C8B-B14F-4D97-AF65-F5344CB8AC3E}">
-        <p14:creationId xmlns:p14="http://schemas.microsoft.com/office/powerpoint/2010/main" val="180634786"/>
+        <p14:creationId xmlns:p14="http://schemas.microsoft.com/office/powerpoint/2010/main" val="3418140009"/>
       </p:ext>
     </p:extLst>
   </p:cSld>
@@ -4549,8 +4915,12 @@
           <a:lstStyle/>
           <a:p>
             <a:r>
+              <a:rPr lang="fr-FR" dirty="0" smtClean="0"/>
+              <a:t>Plot </a:t>
+            </a:r>
+            <a:r>
               <a:rPr lang="fr-FR" dirty="0" err="1" smtClean="0"/>
-              <a:t>subplot</a:t>
+              <a:t>lty</a:t>
             </a:r>
             <a:endParaRPr lang="fr-FR" dirty="0"/>
           </a:p>
@@ -4572,22 +4942,36 @@
           <a:lstStyle/>
           <a:p>
             <a:r>
+              <a:rPr lang="fr-FR" dirty="0" err="1" smtClean="0"/>
+              <a:t>lty</a:t>
+            </a:r>
+            <a:r>
               <a:rPr lang="fr-FR" dirty="0" smtClean="0"/>
-              <a:t>Permet d’avoir plusieurs graphiques</a:t>
-            </a:r>
+              <a:t> = type de ligne</a:t>
+            </a:r>
+          </a:p>
+          <a:p>
+            <a:endParaRPr lang="fr-FR" dirty="0"/>
+          </a:p>
+          <a:p>
+            <a:endParaRPr lang="fr-FR" dirty="0" smtClean="0"/>
+          </a:p>
+          <a:p>
+            <a:endParaRPr lang="fr-FR" dirty="0"/>
+          </a:p>
+          <a:p>
+            <a:endParaRPr lang="fr-FR" dirty="0" smtClean="0"/>
+          </a:p>
+          <a:p>
+            <a:endParaRPr lang="fr-FR" dirty="0"/>
+          </a:p>
+          <a:p>
+            <a:endParaRPr lang="fr-FR" dirty="0" smtClean="0"/>
           </a:p>
           <a:p>
             <a:r>
               <a:rPr lang="fr-FR" dirty="0" err="1" smtClean="0"/>
-              <a:t>Plt.subplot</a:t>
-            </a:r>
-            <a:r>
-              <a:rPr lang="fr-FR" dirty="0" smtClean="0"/>
-              <a:t>([</a:t>
-            </a:r>
-            <a:r>
-              <a:rPr lang="fr-FR" dirty="0" err="1" smtClean="0"/>
-              <a:t>nrows</a:t>
+              <a:t>xlib</a:t>
             </a:r>
             <a:r>
               <a:rPr lang="fr-FR" dirty="0" smtClean="0"/>
@@ -4595,76 +4979,25 @@
             </a:r>
             <a:r>
               <a:rPr lang="fr-FR" dirty="0" err="1" smtClean="0"/>
-              <a:t>ncols</a:t>
-            </a:r>
-            <a:r>
-              <a:rPr lang="fr-FR" smtClean="0"/>
-              <a:t>, index])</a:t>
-            </a:r>
-            <a:endParaRPr lang="fr-FR" dirty="0" smtClean="0"/>
-          </a:p>
-          <a:p>
-            <a:pPr lvl="1"/>
-            <a:r>
-              <a:rPr lang="fr-FR" dirty="0" err="1" smtClean="0"/>
-              <a:t>nrows</a:t>
+              <a:t>ylib</a:t>
             </a:r>
             <a:r>
               <a:rPr lang="fr-FR" dirty="0" smtClean="0"/>
-              <a:t> = nombre de ligne</a:t>
-            </a:r>
-          </a:p>
-          <a:p>
-            <a:pPr lvl="1"/>
+              <a:t> = libellé de l'axe x ou y</a:t>
+            </a:r>
+          </a:p>
+          <a:p>
             <a:r>
               <a:rPr lang="fr-FR" dirty="0" err="1"/>
-              <a:t>n</a:t>
-            </a:r>
-            <a:r>
-              <a:rPr lang="fr-FR" dirty="0" err="1" smtClean="0"/>
-              <a:t>cols</a:t>
+              <a:t>xlim</a:t>
+            </a:r>
+            <a:r>
+              <a:rPr lang="fr-FR" dirty="0"/>
+              <a:t>=c(0,10</a:t>
             </a:r>
             <a:r>
               <a:rPr lang="fr-FR" dirty="0" smtClean="0"/>
-              <a:t> = nombre de colonne</a:t>
-            </a:r>
-          </a:p>
-          <a:p>
-            <a:pPr lvl="1"/>
-            <a:r>
-              <a:rPr lang="fr-FR" dirty="0"/>
-              <a:t>i</a:t>
-            </a:r>
-            <a:r>
-              <a:rPr lang="fr-FR" dirty="0" smtClean="0"/>
-              <a:t>ndex = position</a:t>
-            </a:r>
-          </a:p>
-          <a:p>
-            <a:r>
-              <a:rPr lang="fr-FR" dirty="0" err="1" smtClean="0"/>
-              <a:t>Scatter</a:t>
-            </a:r>
-            <a:endParaRPr lang="fr-FR" dirty="0" smtClean="0"/>
-          </a:p>
-          <a:p>
-            <a:pPr lvl="1"/>
-            <a:r>
-              <a:rPr lang="fr-FR" dirty="0" smtClean="0"/>
-              <a:t>Idem à plot sans relier les points entre eux</a:t>
-            </a:r>
-          </a:p>
-          <a:p>
-            <a:r>
-              <a:rPr lang="fr-FR" dirty="0" smtClean="0"/>
-              <a:t>Bar</a:t>
-            </a:r>
-          </a:p>
-          <a:p>
-            <a:pPr lvl="1"/>
-            <a:r>
-              <a:rPr lang="fr-FR" dirty="0" smtClean="0"/>
-              <a:t>Afficher des barres</a:t>
+              <a:t>) = limites de l'axe x</a:t>
             </a:r>
             <a:endParaRPr lang="fr-FR" dirty="0"/>
           </a:p>
@@ -4672,62 +5005,38 @@
       </p:sp>
       <p:pic>
         <p:nvPicPr>
-          <p:cNvPr id="1026" name="Picture 2" descr="Les gains pour chaque joueur"/>
+          <p:cNvPr id="8" name="Image 7"/>
           <p:cNvPicPr>
-            <a:picLocks noChangeAspect="1" noChangeArrowheads="1"/>
+            <a:picLocks noChangeAspect="1"/>
           </p:cNvPicPr>
           <p:nvPr/>
         </p:nvPicPr>
         <p:blipFill>
-          <a:blip r:embed="rId2">
-            <a:extLst>
-              <a:ext uri="{28A0092B-C50C-407E-A947-70E740481C1C}">
-                <a14:useLocalDpi xmlns:a14="http://schemas.microsoft.com/office/drawing/2010/main" val="0"/>
-              </a:ext>
-            </a:extLst>
-          </a:blip>
-          <a:srcRect/>
+          <a:blip r:embed="rId2"/>
           <a:stretch>
             <a:fillRect/>
           </a:stretch>
         </p:blipFill>
-        <p:spPr bwMode="auto">
+        <p:spPr>
           <a:xfrm>
-            <a:off x="3635896" y="5079930"/>
-            <a:ext cx="2483768" cy="1629973"/>
+            <a:off x="3707904" y="1412776"/>
+            <a:ext cx="4464496" cy="3426624"/>
           </a:xfrm>
           <a:prstGeom prst="rect">
             <a:avLst/>
           </a:prstGeom>
-          <a:noFill/>
-          <a:extLst>
-            <a:ext uri="{909E8E84-426E-40DD-AFC4-6F175D3DCCD1}">
-              <a14:hiddenFill xmlns:a14="http://schemas.microsoft.com/office/drawing/2010/main">
-                <a:solidFill>
-                  <a:srgbClr val="FFFFFF"/>
-                </a:solidFill>
-              </a14:hiddenFill>
-            </a:ext>
-          </a:extLst>
         </p:spPr>
       </p:pic>
     </p:spTree>
     <p:extLst>
       <p:ext uri="{BB962C8B-B14F-4D97-AF65-F5344CB8AC3E}">
-        <p14:creationId xmlns:p14="http://schemas.microsoft.com/office/powerpoint/2010/main" val="2000815050"/>
+        <p14:creationId xmlns:p14="http://schemas.microsoft.com/office/powerpoint/2010/main" val="3260510470"/>
       </p:ext>
     </p:extLst>
   </p:cSld>
   <p:clrMapOvr>
     <a:masterClrMapping/>
   </p:clrMapOvr>
-  <p:timing>
-    <p:tnLst>
-      <p:par>
-        <p:cTn id="1" dur="indefinite" restart="never" nodeType="tmRoot"/>
-      </p:par>
-    </p:tnLst>
-  </p:timing>
 </p:sld>
 </file>
 
@@ -4764,8 +5073,8 @@
           <a:lstStyle/>
           <a:p>
             <a:r>
-              <a:rPr lang="fr-FR" dirty="0" err="1" smtClean="0"/>
-              <a:t>subplot</a:t>
+              <a:rPr lang="fr-FR" dirty="0" smtClean="0"/>
+              <a:t>Superposition</a:t>
             </a:r>
             <a:endParaRPr lang="fr-FR" dirty="0"/>
           </a:p>
@@ -4786,54 +5095,51 @@
           <a:bodyPr/>
           <a:lstStyle/>
           <a:p>
+            <a:r>
+              <a:rPr lang="fr-FR" dirty="0" smtClean="0"/>
+              <a:t>Points permet de superposer des courbes à plot</a:t>
+            </a:r>
+          </a:p>
+          <a:p>
+            <a:pPr lvl="1"/>
+            <a:r>
+              <a:rPr lang="fr-FR" dirty="0" smtClean="0"/>
+              <a:t>Fonctionne comme plot</a:t>
+            </a:r>
+          </a:p>
+          <a:p>
+            <a:pPr lvl="1"/>
             <a:endParaRPr lang="fr-FR" dirty="0"/>
           </a:p>
         </p:txBody>
       </p:sp>
       <p:pic>
         <p:nvPicPr>
-          <p:cNvPr id="4098" name="Picture 2" descr="../../_images/subplots_demo_01.png"/>
+          <p:cNvPr id="4" name="Image 3"/>
           <p:cNvPicPr>
-            <a:picLocks noChangeAspect="1" noChangeArrowheads="1"/>
+            <a:picLocks noChangeAspect="1"/>
           </p:cNvPicPr>
           <p:nvPr/>
         </p:nvPicPr>
         <p:blipFill>
-          <a:blip r:embed="rId2">
-            <a:extLst>
-              <a:ext uri="{28A0092B-C50C-407E-A947-70E740481C1C}">
-                <a14:useLocalDpi xmlns:a14="http://schemas.microsoft.com/office/drawing/2010/main" val="0"/>
-              </a:ext>
-            </a:extLst>
-          </a:blip>
-          <a:srcRect/>
+          <a:blip r:embed="rId2"/>
           <a:stretch>
             <a:fillRect/>
           </a:stretch>
         </p:blipFill>
-        <p:spPr bwMode="auto">
+        <p:spPr>
           <a:xfrm>
-            <a:off x="3905250" y="1146760"/>
-            <a:ext cx="5238750" cy="4286250"/>
+            <a:off x="323528" y="3056756"/>
+            <a:ext cx="4943475" cy="1752600"/>
           </a:xfrm>
           <a:prstGeom prst="rect">
             <a:avLst/>
           </a:prstGeom>
-          <a:noFill/>
-          <a:extLst>
-            <a:ext uri="{909E8E84-426E-40DD-AFC4-6F175D3DCCD1}">
-              <a14:hiddenFill xmlns:a14="http://schemas.microsoft.com/office/drawing/2010/main">
-                <a:solidFill>
-                  <a:srgbClr val="FFFFFF"/>
-                </a:solidFill>
-              </a14:hiddenFill>
-            </a:ext>
-          </a:extLst>
         </p:spPr>
       </p:pic>
       <p:pic>
         <p:nvPicPr>
-          <p:cNvPr id="4" name="Image 3"/>
+          <p:cNvPr id="5" name="Image 4"/>
           <p:cNvPicPr>
             <a:picLocks noChangeAspect="1"/>
           </p:cNvPicPr>
@@ -4847,8 +5153,8 @@
         </p:blipFill>
         <p:spPr>
           <a:xfrm>
-            <a:off x="467544" y="3212976"/>
-            <a:ext cx="3633726" cy="1153367"/>
+            <a:off x="5652120" y="2420888"/>
+            <a:ext cx="2581275" cy="2581275"/>
           </a:xfrm>
           <a:prstGeom prst="rect">
             <a:avLst/>
@@ -4858,20 +5164,13 @@
     </p:spTree>
     <p:extLst>
       <p:ext uri="{BB962C8B-B14F-4D97-AF65-F5344CB8AC3E}">
-        <p14:creationId xmlns:p14="http://schemas.microsoft.com/office/powerpoint/2010/main" val="1269808029"/>
+        <p14:creationId xmlns:p14="http://schemas.microsoft.com/office/powerpoint/2010/main" val="3074994971"/>
       </p:ext>
     </p:extLst>
   </p:cSld>
   <p:clrMapOvr>
     <a:masterClrMapping/>
   </p:clrMapOvr>
-  <p:timing>
-    <p:tnLst>
-      <p:par>
-        <p:cTn id="1" dur="indefinite" restart="never" nodeType="tmRoot"/>
-      </p:par>
-    </p:tnLst>
-  </p:timing>
 </p:sld>
 </file>
 
@@ -4909,96 +5208,60 @@
           <a:p>
             <a:r>
               <a:rPr lang="fr-FR" dirty="0" err="1" smtClean="0"/>
-              <a:t>subplot</a:t>
+              <a:t>abline</a:t>
             </a:r>
             <a:endParaRPr lang="fr-FR" dirty="0"/>
           </a:p>
         </p:txBody>
       </p:sp>
-      <p:pic>
-        <p:nvPicPr>
-          <p:cNvPr id="5124" name="Picture 4" descr="../../_images/subplots_demo_03.png"/>
-          <p:cNvPicPr>
-            <a:picLocks noGrp="1" noChangeAspect="1" noChangeArrowheads="1"/>
-          </p:cNvPicPr>
+      <p:sp>
+        <p:nvSpPr>
+          <p:cNvPr id="3" name="Espace réservé du contenu 2"/>
+          <p:cNvSpPr>
+            <a:spLocks noGrp="1"/>
+          </p:cNvSpPr>
           <p:nvPr>
             <p:ph idx="1"/>
           </p:nvPr>
-        </p:nvPicPr>
-        <p:blipFill>
-          <a:blip r:embed="rId2">
-            <a:extLst>
-              <a:ext uri="{28A0092B-C50C-407E-A947-70E740481C1C}">
-                <a14:useLocalDpi xmlns:a14="http://schemas.microsoft.com/office/drawing/2010/main" val="0"/>
-              </a:ext>
-            </a:extLst>
-          </a:blip>
-          <a:srcRect/>
-          <a:stretch>
-            <a:fillRect/>
-          </a:stretch>
-        </p:blipFill>
-        <p:spPr bwMode="auto">
-          <a:xfrm>
-            <a:off x="4355976" y="836712"/>
-            <a:ext cx="5029210" cy="4114808"/>
-          </a:xfrm>
-          <a:prstGeom prst="rect">
-            <a:avLst/>
-          </a:prstGeom>
-          <a:noFill/>
-          <a:extLst>
-            <a:ext uri="{909E8E84-426E-40DD-AFC4-6F175D3DCCD1}">
-              <a14:hiddenFill xmlns:a14="http://schemas.microsoft.com/office/drawing/2010/main">
-                <a:solidFill>
-                  <a:srgbClr val="FFFFFF"/>
-                </a:solidFill>
-              </a14:hiddenFill>
-            </a:ext>
-          </a:extLst>
-        </p:spPr>
-      </p:pic>
-      <p:pic>
-        <p:nvPicPr>
-          <p:cNvPr id="4" name="Image 3"/>
-          <p:cNvPicPr>
-            <a:picLocks noChangeAspect="1"/>
-          </p:cNvPicPr>
-          <p:nvPr/>
-        </p:nvPicPr>
-        <p:blipFill>
-          <a:blip r:embed="rId3"/>
-          <a:stretch>
-            <a:fillRect/>
-          </a:stretch>
-        </p:blipFill>
-        <p:spPr>
-          <a:xfrm>
-            <a:off x="-59603" y="2492896"/>
-            <a:ext cx="5162550" cy="1762125"/>
-          </a:xfrm>
-          <a:prstGeom prst="rect">
-            <a:avLst/>
-          </a:prstGeom>
-        </p:spPr>
-      </p:pic>
+        </p:nvSpPr>
+        <p:spPr/>
+        <p:txBody>
+          <a:bodyPr/>
+          <a:lstStyle/>
+          <a:p>
+            <a:r>
+              <a:rPr lang="fr-FR" dirty="0" err="1" smtClean="0"/>
+              <a:t>abline</a:t>
+            </a:r>
+            <a:r>
+              <a:rPr lang="fr-FR" dirty="0" smtClean="0"/>
+              <a:t> permet d'afficher une fonction affine</a:t>
+            </a:r>
+          </a:p>
+          <a:p>
+            <a:pPr lvl="1"/>
+            <a:r>
+              <a:rPr lang="fr-FR" dirty="0" smtClean="0"/>
+              <a:t>A voir dans le </a:t>
+            </a:r>
+            <a:r>
+              <a:rPr lang="fr-FR" smtClean="0"/>
+              <a:t>prochain chapitre</a:t>
+            </a:r>
+            <a:endParaRPr lang="fr-FR" dirty="0"/>
+          </a:p>
+        </p:txBody>
+      </p:sp>
     </p:spTree>
     <p:extLst>
       <p:ext uri="{BB962C8B-B14F-4D97-AF65-F5344CB8AC3E}">
-        <p14:creationId xmlns:p14="http://schemas.microsoft.com/office/powerpoint/2010/main" val="77589619"/>
+        <p14:creationId xmlns:p14="http://schemas.microsoft.com/office/powerpoint/2010/main" val="180634786"/>
       </p:ext>
     </p:extLst>
   </p:cSld>
   <p:clrMapOvr>
     <a:masterClrMapping/>
   </p:clrMapOvr>
-  <p:timing>
-    <p:tnLst>
-      <p:par>
-        <p:cTn id="1" dur="indefinite" restart="never" nodeType="tmRoot"/>
-      </p:par>
-    </p:tnLst>
-  </p:timing>
 </p:sld>
 </file>
 

--- a/ppt/R-07-Graphic.pptx
+++ b/ppt/R-07-Graphic.pptx
@@ -614,35 +614,35 @@
           <a:p>
             <a:pPr lvl="0"/>
             <a:r>
-              <a:rPr lang="fr-FR" noProof="0" smtClean="0"/>
+              <a:rPr lang="fr-FR" noProof="0"/>
               <a:t>Cliquez pour modifier les styles du texte du masque</a:t>
             </a:r>
           </a:p>
           <a:p>
             <a:pPr lvl="1"/>
             <a:r>
-              <a:rPr lang="fr-FR" noProof="0" smtClean="0"/>
+              <a:rPr lang="fr-FR" noProof="0"/>
               <a:t>Deuxième niveau</a:t>
             </a:r>
           </a:p>
           <a:p>
             <a:pPr lvl="2"/>
             <a:r>
-              <a:rPr lang="fr-FR" noProof="0" smtClean="0"/>
+              <a:rPr lang="fr-FR" noProof="0"/>
               <a:t>Troisième niveau</a:t>
             </a:r>
           </a:p>
           <a:p>
             <a:pPr lvl="3"/>
             <a:r>
-              <a:rPr lang="fr-FR" noProof="0" smtClean="0"/>
+              <a:rPr lang="fr-FR" noProof="0"/>
               <a:t>Quatrième niveau</a:t>
             </a:r>
           </a:p>
           <a:p>
             <a:pPr lvl="4"/>
             <a:r>
-              <a:rPr lang="fr-FR" noProof="0" smtClean="0"/>
+              <a:rPr lang="fr-FR" noProof="0"/>
               <a:t>Cinquième niveau</a:t>
             </a:r>
           </a:p>
@@ -930,10 +930,9 @@
           <a:lstStyle/>
           <a:p>
             <a:r>
-              <a:rPr lang="fr-FR" smtClean="0"/>
+              <a:rPr lang="fr-FR"/>
               <a:t>Cliquez pour modifier le style du titre</a:t>
             </a:r>
-            <a:endParaRPr lang="fr-FR"/>
           </a:p>
         </p:txBody>
       </p:sp>
@@ -995,10 +994,9 @@
           </a:lstStyle>
           <a:p>
             <a:r>
-              <a:rPr lang="fr-FR" smtClean="0"/>
+              <a:rPr lang="fr-FR"/>
               <a:t>Cliquez pour modifier le style des sous-titres du masque</a:t>
             </a:r>
-            <a:endParaRPr lang="fr-FR"/>
           </a:p>
         </p:txBody>
       </p:sp>
@@ -1053,10 +1051,9 @@
           <a:lstStyle/>
           <a:p>
             <a:r>
-              <a:rPr lang="fr-FR" smtClean="0"/>
+              <a:rPr lang="fr-FR"/>
               <a:t>Cliquez pour modifier le style du titre</a:t>
             </a:r>
-            <a:endParaRPr lang="fr-FR"/>
           </a:p>
         </p:txBody>
       </p:sp>
@@ -1082,38 +1079,37 @@
           <a:p>
             <a:pPr lvl="0"/>
             <a:r>
-              <a:rPr lang="fr-FR" smtClean="0"/>
+              <a:rPr lang="fr-FR"/>
               <a:t>Cliquez pour modifier les styles du texte du masque</a:t>
             </a:r>
           </a:p>
           <a:p>
             <a:pPr lvl="1"/>
             <a:r>
-              <a:rPr lang="fr-FR" smtClean="0"/>
+              <a:rPr lang="fr-FR"/>
               <a:t>Deuxième niveau</a:t>
             </a:r>
           </a:p>
           <a:p>
             <a:pPr lvl="2"/>
             <a:r>
-              <a:rPr lang="fr-FR" smtClean="0"/>
+              <a:rPr lang="fr-FR"/>
               <a:t>Troisième niveau</a:t>
             </a:r>
           </a:p>
           <a:p>
             <a:pPr lvl="3"/>
             <a:r>
-              <a:rPr lang="fr-FR" smtClean="0"/>
+              <a:rPr lang="fr-FR"/>
               <a:t>Quatrième niveau</a:t>
             </a:r>
           </a:p>
           <a:p>
             <a:pPr lvl="4"/>
             <a:r>
-              <a:rPr lang="fr-FR" smtClean="0"/>
+              <a:rPr lang="fr-FR"/>
               <a:t>Cinquième niveau</a:t>
             </a:r>
-            <a:endParaRPr lang="fr-FR"/>
           </a:p>
         </p:txBody>
       </p:sp>
@@ -1172,10 +1168,9 @@
           </a:lstStyle>
           <a:p>
             <a:r>
-              <a:rPr lang="fr-FR" dirty="0" smtClean="0"/>
+              <a:rPr lang="fr-FR" dirty="0"/>
               <a:t>Cliquez pour modifier le style du titre</a:t>
             </a:r>
-            <a:endParaRPr lang="fr-FR" dirty="0"/>
           </a:p>
         </p:txBody>
       </p:sp>
@@ -1201,38 +1196,37 @@
           <a:p>
             <a:pPr lvl="0"/>
             <a:r>
-              <a:rPr lang="fr-FR" dirty="0" smtClean="0"/>
+              <a:rPr lang="fr-FR" dirty="0"/>
               <a:t>Cliquez pour modifier les styles du texte du masque</a:t>
             </a:r>
           </a:p>
           <a:p>
             <a:pPr lvl="1"/>
             <a:r>
-              <a:rPr lang="fr-FR" dirty="0" smtClean="0"/>
+              <a:rPr lang="fr-FR" dirty="0"/>
               <a:t>Deuxième niveau</a:t>
             </a:r>
           </a:p>
           <a:p>
             <a:pPr lvl="2"/>
             <a:r>
-              <a:rPr lang="fr-FR" dirty="0" smtClean="0"/>
+              <a:rPr lang="fr-FR" dirty="0"/>
               <a:t>Troisième niveau</a:t>
             </a:r>
           </a:p>
           <a:p>
             <a:pPr lvl="3"/>
             <a:r>
-              <a:rPr lang="fr-FR" dirty="0" smtClean="0"/>
+              <a:rPr lang="fr-FR" dirty="0"/>
               <a:t>Quatrième niveau</a:t>
             </a:r>
           </a:p>
           <a:p>
             <a:pPr lvl="4"/>
             <a:r>
-              <a:rPr lang="fr-FR" dirty="0" smtClean="0"/>
+              <a:rPr lang="fr-FR" dirty="0"/>
               <a:t>Cinquième niveau</a:t>
             </a:r>
-            <a:endParaRPr lang="fr-FR" dirty="0"/>
           </a:p>
         </p:txBody>
       </p:sp>
@@ -1282,10 +1276,9 @@
           <a:lstStyle/>
           <a:p>
             <a:r>
-              <a:rPr lang="fr-FR" smtClean="0"/>
+              <a:rPr lang="fr-FR"/>
               <a:t>Cliquez pour modifier le style du titre</a:t>
             </a:r>
-            <a:endParaRPr lang="fr-FR"/>
           </a:p>
         </p:txBody>
       </p:sp>
@@ -1339,38 +1332,37 @@
           <a:p>
             <a:pPr lvl="0"/>
             <a:r>
-              <a:rPr lang="fr-FR" smtClean="0"/>
+              <a:rPr lang="fr-FR"/>
               <a:t>Cliquez pour modifier les styles du texte du masque</a:t>
             </a:r>
           </a:p>
           <a:p>
             <a:pPr lvl="1"/>
             <a:r>
-              <a:rPr lang="fr-FR" smtClean="0"/>
+              <a:rPr lang="fr-FR"/>
               <a:t>Deuxième niveau</a:t>
             </a:r>
           </a:p>
           <a:p>
             <a:pPr lvl="2"/>
             <a:r>
-              <a:rPr lang="fr-FR" smtClean="0"/>
+              <a:rPr lang="fr-FR"/>
               <a:t>Troisième niveau</a:t>
             </a:r>
           </a:p>
           <a:p>
             <a:pPr lvl="3"/>
             <a:r>
-              <a:rPr lang="fr-FR" smtClean="0"/>
+              <a:rPr lang="fr-FR"/>
               <a:t>Quatrième niveau</a:t>
             </a:r>
           </a:p>
           <a:p>
             <a:pPr lvl="4"/>
             <a:r>
-              <a:rPr lang="fr-FR" smtClean="0"/>
+              <a:rPr lang="fr-FR"/>
               <a:t>Cinquième niveau</a:t>
             </a:r>
-            <a:endParaRPr lang="fr-FR"/>
           </a:p>
         </p:txBody>
       </p:sp>
@@ -1424,38 +1416,37 @@
           <a:p>
             <a:pPr lvl="0"/>
             <a:r>
-              <a:rPr lang="fr-FR" smtClean="0"/>
+              <a:rPr lang="fr-FR"/>
               <a:t>Cliquez pour modifier les styles du texte du masque</a:t>
             </a:r>
           </a:p>
           <a:p>
             <a:pPr lvl="1"/>
             <a:r>
-              <a:rPr lang="fr-FR" smtClean="0"/>
+              <a:rPr lang="fr-FR"/>
               <a:t>Deuxième niveau</a:t>
             </a:r>
           </a:p>
           <a:p>
             <a:pPr lvl="2"/>
             <a:r>
-              <a:rPr lang="fr-FR" smtClean="0"/>
+              <a:rPr lang="fr-FR"/>
               <a:t>Troisième niveau</a:t>
             </a:r>
           </a:p>
           <a:p>
             <a:pPr lvl="3"/>
             <a:r>
-              <a:rPr lang="fr-FR" smtClean="0"/>
+              <a:rPr lang="fr-FR"/>
               <a:t>Quatrième niveau</a:t>
             </a:r>
           </a:p>
           <a:p>
             <a:pPr lvl="4"/>
             <a:r>
-              <a:rPr lang="fr-FR" smtClean="0"/>
+              <a:rPr lang="fr-FR"/>
               <a:t>Cinquième niveau</a:t>
             </a:r>
-            <a:endParaRPr lang="fr-FR"/>
           </a:p>
         </p:txBody>
       </p:sp>
@@ -1514,10 +1505,9 @@
           </a:lstStyle>
           <a:p>
             <a:r>
-              <a:rPr lang="fr-FR" smtClean="0"/>
+              <a:rPr lang="fr-FR"/>
               <a:t>Cliquez pour modifier le style du titre</a:t>
             </a:r>
-            <a:endParaRPr lang="fr-FR"/>
           </a:p>
         </p:txBody>
       </p:sp>
@@ -1580,7 +1570,7 @@
           <a:p>
             <a:pPr lvl="0"/>
             <a:r>
-              <a:rPr lang="fr-FR" smtClean="0"/>
+              <a:rPr lang="fr-FR"/>
               <a:t>Cliquez pour modifier les styles du texte du masque</a:t>
             </a:r>
           </a:p>
@@ -1636,38 +1626,37 @@
           <a:p>
             <a:pPr lvl="0"/>
             <a:r>
-              <a:rPr lang="fr-FR" smtClean="0"/>
+              <a:rPr lang="fr-FR"/>
               <a:t>Cliquez pour modifier les styles du texte du masque</a:t>
             </a:r>
           </a:p>
           <a:p>
             <a:pPr lvl="1"/>
             <a:r>
-              <a:rPr lang="fr-FR" smtClean="0"/>
+              <a:rPr lang="fr-FR"/>
               <a:t>Deuxième niveau</a:t>
             </a:r>
           </a:p>
           <a:p>
             <a:pPr lvl="2"/>
             <a:r>
-              <a:rPr lang="fr-FR" smtClean="0"/>
+              <a:rPr lang="fr-FR"/>
               <a:t>Troisième niveau</a:t>
             </a:r>
           </a:p>
           <a:p>
             <a:pPr lvl="3"/>
             <a:r>
-              <a:rPr lang="fr-FR" smtClean="0"/>
+              <a:rPr lang="fr-FR"/>
               <a:t>Quatrième niveau</a:t>
             </a:r>
           </a:p>
           <a:p>
             <a:pPr lvl="4"/>
             <a:r>
-              <a:rPr lang="fr-FR" smtClean="0"/>
+              <a:rPr lang="fr-FR"/>
               <a:t>Cinquième niveau</a:t>
             </a:r>
-            <a:endParaRPr lang="fr-FR"/>
           </a:p>
         </p:txBody>
       </p:sp>
@@ -1730,7 +1719,7 @@
           <a:p>
             <a:pPr lvl="0"/>
             <a:r>
-              <a:rPr lang="fr-FR" smtClean="0"/>
+              <a:rPr lang="fr-FR"/>
               <a:t>Cliquez pour modifier les styles du texte du masque</a:t>
             </a:r>
           </a:p>
@@ -1786,38 +1775,37 @@
           <a:p>
             <a:pPr lvl="0"/>
             <a:r>
-              <a:rPr lang="fr-FR" smtClean="0"/>
+              <a:rPr lang="fr-FR"/>
               <a:t>Cliquez pour modifier les styles du texte du masque</a:t>
             </a:r>
           </a:p>
           <a:p>
             <a:pPr lvl="1"/>
             <a:r>
-              <a:rPr lang="fr-FR" smtClean="0"/>
+              <a:rPr lang="fr-FR"/>
               <a:t>Deuxième niveau</a:t>
             </a:r>
           </a:p>
           <a:p>
             <a:pPr lvl="2"/>
             <a:r>
-              <a:rPr lang="fr-FR" smtClean="0"/>
+              <a:rPr lang="fr-FR"/>
               <a:t>Troisième niveau</a:t>
             </a:r>
           </a:p>
           <a:p>
             <a:pPr lvl="3"/>
             <a:r>
-              <a:rPr lang="fr-FR" smtClean="0"/>
+              <a:rPr lang="fr-FR"/>
               <a:t>Quatrième niveau</a:t>
             </a:r>
           </a:p>
           <a:p>
             <a:pPr lvl="4"/>
             <a:r>
-              <a:rPr lang="fr-FR" smtClean="0"/>
+              <a:rPr lang="fr-FR"/>
               <a:t>Cinquième niveau</a:t>
             </a:r>
-            <a:endParaRPr lang="fr-FR"/>
           </a:p>
         </p:txBody>
       </p:sp>
@@ -1867,10 +1855,9 @@
           <a:lstStyle/>
           <a:p>
             <a:r>
-              <a:rPr lang="fr-FR" smtClean="0"/>
+              <a:rPr lang="fr-FR"/>
               <a:t>Cliquez pour modifier le style du titre</a:t>
             </a:r>
-            <a:endParaRPr lang="fr-FR"/>
           </a:p>
         </p:txBody>
       </p:sp>
@@ -1959,10 +1946,9 @@
           </a:lstStyle>
           <a:p>
             <a:r>
-              <a:rPr lang="fr-FR" smtClean="0"/>
+              <a:rPr lang="fr-FR"/>
               <a:t>Cliquez pour modifier le style du titre</a:t>
             </a:r>
-            <a:endParaRPr lang="fr-FR"/>
           </a:p>
         </p:txBody>
       </p:sp>
@@ -2016,38 +2002,37 @@
           <a:p>
             <a:pPr lvl="0"/>
             <a:r>
-              <a:rPr lang="fr-FR" smtClean="0"/>
+              <a:rPr lang="fr-FR"/>
               <a:t>Cliquez pour modifier les styles du texte du masque</a:t>
             </a:r>
           </a:p>
           <a:p>
             <a:pPr lvl="1"/>
             <a:r>
-              <a:rPr lang="fr-FR" smtClean="0"/>
+              <a:rPr lang="fr-FR"/>
               <a:t>Deuxième niveau</a:t>
             </a:r>
           </a:p>
           <a:p>
             <a:pPr lvl="2"/>
             <a:r>
-              <a:rPr lang="fr-FR" smtClean="0"/>
+              <a:rPr lang="fr-FR"/>
               <a:t>Troisième niveau</a:t>
             </a:r>
           </a:p>
           <a:p>
             <a:pPr lvl="3"/>
             <a:r>
-              <a:rPr lang="fr-FR" smtClean="0"/>
+              <a:rPr lang="fr-FR"/>
               <a:t>Quatrième niveau</a:t>
             </a:r>
           </a:p>
           <a:p>
             <a:pPr lvl="4"/>
             <a:r>
-              <a:rPr lang="fr-FR" smtClean="0"/>
+              <a:rPr lang="fr-FR"/>
               <a:t>Cinquième niveau</a:t>
             </a:r>
-            <a:endParaRPr lang="fr-FR"/>
           </a:p>
         </p:txBody>
       </p:sp>
@@ -2110,7 +2095,7 @@
           <a:p>
             <a:pPr lvl="0"/>
             <a:r>
-              <a:rPr lang="fr-FR" smtClean="0"/>
+              <a:rPr lang="fr-FR"/>
               <a:t>Cliquez pour modifier les styles du texte du masque</a:t>
             </a:r>
           </a:p>
@@ -2171,10 +2156,9 @@
           </a:lstStyle>
           <a:p>
             <a:r>
-              <a:rPr lang="fr-FR" smtClean="0"/>
+              <a:rPr lang="fr-FR"/>
               <a:t>Cliquez pour modifier le style du titre</a:t>
             </a:r>
-            <a:endParaRPr lang="fr-FR"/>
           </a:p>
         </p:txBody>
       </p:sp>
@@ -2236,7 +2220,7 @@
           </a:lstStyle>
           <a:p>
             <a:pPr lvl="0"/>
-            <a:endParaRPr lang="fr-FR" noProof="0" smtClean="0"/>
+            <a:endParaRPr lang="fr-FR" noProof="0"/>
           </a:p>
         </p:txBody>
       </p:sp>
@@ -2299,7 +2283,7 @@
           <a:p>
             <a:pPr lvl="0"/>
             <a:r>
-              <a:rPr lang="fr-FR" smtClean="0"/>
+              <a:rPr lang="fr-FR"/>
               <a:t>Cliquez pour modifier les styles du texte du masque</a:t>
             </a:r>
           </a:p>
@@ -2351,10 +2335,9 @@
           <a:lstStyle/>
           <a:p>
             <a:r>
-              <a:rPr lang="fr-FR" smtClean="0"/>
+              <a:rPr lang="fr-FR"/>
               <a:t>Cliquez pour modifier le style du titre</a:t>
             </a:r>
-            <a:endParaRPr lang="fr-FR"/>
           </a:p>
         </p:txBody>
       </p:sp>
@@ -2375,38 +2358,37 @@
           <a:p>
             <a:pPr lvl="0"/>
             <a:r>
-              <a:rPr lang="fr-FR" smtClean="0"/>
+              <a:rPr lang="fr-FR"/>
               <a:t>Cliquez pour modifier les styles du texte du masque</a:t>
             </a:r>
           </a:p>
           <a:p>
             <a:pPr lvl="1"/>
             <a:r>
-              <a:rPr lang="fr-FR" smtClean="0"/>
+              <a:rPr lang="fr-FR"/>
               <a:t>Deuxième niveau</a:t>
             </a:r>
           </a:p>
           <a:p>
             <a:pPr lvl="2"/>
             <a:r>
-              <a:rPr lang="fr-FR" smtClean="0"/>
+              <a:rPr lang="fr-FR"/>
               <a:t>Troisième niveau</a:t>
             </a:r>
           </a:p>
           <a:p>
             <a:pPr lvl="3"/>
             <a:r>
-              <a:rPr lang="fr-FR" smtClean="0"/>
+              <a:rPr lang="fr-FR"/>
               <a:t>Quatrième niveau</a:t>
             </a:r>
           </a:p>
           <a:p>
             <a:pPr lvl="4"/>
             <a:r>
-              <a:rPr lang="fr-FR" smtClean="0"/>
+              <a:rPr lang="fr-FR"/>
               <a:t>Cinquième niveau</a:t>
             </a:r>
-            <a:endParaRPr lang="fr-FR"/>
           </a:p>
         </p:txBody>
       </p:sp>
@@ -2587,7 +2569,7 @@
             <a:pPr eaLnBrk="1" hangingPunct="1">
               <a:defRPr/>
             </a:pPr>
-            <a:endParaRPr lang="fr-FR" altLang="fr-FR" smtClean="0"/>
+            <a:endParaRPr lang="fr-FR" altLang="fr-FR"/>
           </a:p>
         </p:txBody>
       </p:sp>
@@ -2741,7 +2723,7 @@
               <a:defRPr/>
             </a:pPr>
             <a:r>
-              <a:rPr lang="fr-FR" sz="1200" dirty="0" smtClean="0"/>
+              <a:rPr lang="fr-FR" sz="1200" dirty="0"/>
               <a:t>Page </a:t>
             </a:r>
             <a:fld id="{E218E9B1-FD08-4C80-902E-210BA2967D0D}" type="slidenum">
@@ -2754,7 +2736,7 @@
               </a:pPr>
               <a:t>‹N°›</a:t>
             </a:fld>
-            <a:endParaRPr lang="fr-FR" dirty="0" smtClean="0">
+            <a:endParaRPr lang="fr-FR" dirty="0">
               <a:latin typeface="Times New Roman" pitchFamily="18" charset="0"/>
             </a:endParaRPr>
           </a:p>
@@ -2910,10 +2892,10 @@
               <a:defRPr/>
             </a:pPr>
             <a:r>
-              <a:rPr lang="fr-FR" sz="1600" dirty="0" smtClean="0"/>
+              <a:rPr lang="fr-FR" sz="1600" dirty="0"/>
               <a:t>R</a:t>
             </a:r>
-            <a:endParaRPr lang="fr-FR" dirty="0" smtClean="0">
+            <a:endParaRPr lang="fr-FR" dirty="0">
               <a:latin typeface="Times New Roman" pitchFamily="18" charset="0"/>
             </a:endParaRPr>
           </a:p>
@@ -2971,7 +2953,7 @@
           <a:p>
             <a:pPr lvl="0"/>
             <a:r>
-              <a:rPr lang="fr-FR" altLang="fr-FR" smtClean="0"/>
+              <a:rPr lang="fr-FR" altLang="fr-FR"/>
               <a:t>Cliquez pour modifier le style du titre du masque</a:t>
             </a:r>
           </a:p>
@@ -3029,35 +3011,35 @@
           <a:p>
             <a:pPr lvl="0"/>
             <a:r>
-              <a:rPr lang="fr-FR" altLang="fr-FR" smtClean="0"/>
+              <a:rPr lang="fr-FR" altLang="fr-FR"/>
               <a:t>Cliquez pour modifier les styles du texte du masque</a:t>
             </a:r>
           </a:p>
           <a:p>
             <a:pPr lvl="1"/>
             <a:r>
-              <a:rPr lang="fr-FR" altLang="fr-FR" smtClean="0"/>
+              <a:rPr lang="fr-FR" altLang="fr-FR"/>
               <a:t>Deuxième niveau</a:t>
             </a:r>
           </a:p>
           <a:p>
             <a:pPr lvl="2"/>
             <a:r>
-              <a:rPr lang="fr-FR" altLang="fr-FR" smtClean="0"/>
+              <a:rPr lang="fr-FR" altLang="fr-FR"/>
               <a:t>Troisième niveau</a:t>
             </a:r>
           </a:p>
           <a:p>
             <a:pPr lvl="3"/>
             <a:r>
-              <a:rPr lang="fr-FR" altLang="fr-FR" smtClean="0"/>
+              <a:rPr lang="fr-FR" altLang="fr-FR"/>
               <a:t>Quatrième niveau</a:t>
             </a:r>
           </a:p>
           <a:p>
             <a:pPr lvl="4"/>
             <a:r>
-              <a:rPr lang="fr-FR" altLang="fr-FR" smtClean="0"/>
+              <a:rPr lang="fr-FR" altLang="fr-FR"/>
               <a:t>Cinquième niveau</a:t>
             </a:r>
           </a:p>
@@ -3213,10 +3195,10 @@
               <a:defRPr/>
             </a:pPr>
             <a:r>
-              <a:rPr lang="fr-FR" sz="1200" smtClean="0"/>
+              <a:rPr lang="fr-FR" sz="1200"/>
               <a:t>© Cyril Vincent Conseil</a:t>
             </a:r>
-            <a:endParaRPr lang="fr-FR" smtClean="0">
+            <a:endParaRPr lang="fr-FR">
               <a:latin typeface="Times New Roman" pitchFamily="18" charset="0"/>
             </a:endParaRPr>
           </a:p>
@@ -3698,26 +3680,21 @@
           <a:p>
             <a:pPr eaLnBrk="1" hangingPunct="1"/>
             <a:r>
-              <a:rPr lang="fr-FR" altLang="fr-FR" dirty="0" smtClean="0"/>
-              <a:t>Chapitre </a:t>
-            </a:r>
-            <a:r>
               <a:rPr lang="fr-FR" altLang="fr-FR" dirty="0"/>
-              <a:t>7</a:t>
-            </a:r>
-            <a:endParaRPr lang="fr-FR" altLang="fr-FR" dirty="0" smtClean="0"/>
+              <a:t>Chapitre 7</a:t>
+            </a:r>
           </a:p>
           <a:p>
             <a:pPr eaLnBrk="1" hangingPunct="1"/>
             <a:r>
-              <a:rPr lang="fr-FR" altLang="fr-FR" dirty="0" smtClean="0"/>
+              <a:rPr lang="fr-FR" altLang="fr-FR" dirty="0"/>
               <a:t>Graphiques</a:t>
             </a:r>
           </a:p>
           <a:p>
             <a:pPr eaLnBrk="1" hangingPunct="1"/>
             <a:r>
-              <a:rPr lang="fr-FR" altLang="fr-FR" dirty="0" smtClean="0"/>
+              <a:rPr lang="fr-FR" altLang="fr-FR" dirty="0"/>
               <a:t>www.CyrilVincent.com</a:t>
             </a:r>
           </a:p>
@@ -3769,13 +3746,6 @@
   <p:clrMapOvr>
     <a:masterClrMapping/>
   </p:clrMapOvr>
-  <p:timing>
-    <p:tnLst>
-      <p:par>
-        <p:cTn id="1" dur="indefinite" restart="never" nodeType="tmRoot"/>
-      </p:par>
-    </p:tnLst>
-  </p:timing>
 </p:sld>
 </file>
 
@@ -3813,11 +3783,7 @@
           <a:p>
             <a:r>
               <a:rPr lang="fr-FR" dirty="0" err="1"/>
-              <a:t>L</a:t>
-            </a:r>
-            <a:r>
-              <a:rPr lang="fr-FR" dirty="0" err="1" smtClean="0"/>
-              <a:t>ayout</a:t>
+              <a:t>Layout</a:t>
             </a:r>
             <a:endParaRPr lang="fr-FR" dirty="0"/>
           </a:p>
@@ -3875,16 +3841,12 @@
             <a:pPr lvl="1"/>
             <a:r>
               <a:rPr lang="fr-FR" dirty="0"/>
-              <a:t>x : nombre de </a:t>
-            </a:r>
-            <a:r>
-              <a:rPr lang="fr-FR" dirty="0" smtClean="0"/>
-              <a:t>colonnes</a:t>
-            </a:r>
-          </a:p>
-          <a:p>
-            <a:r>
-              <a:rPr lang="fr-FR" dirty="0" smtClean="0"/>
+              <a:t>x : nombre de colonnes</a:t>
+            </a:r>
+          </a:p>
+          <a:p>
+            <a:r>
+              <a:rPr lang="fr-FR" dirty="0"/>
               <a:t>Exemple</a:t>
             </a:r>
           </a:p>
@@ -3902,16 +3864,12 @@
               <a:t>boxplot(c(1:10),col="#FAD4B1") </a:t>
             </a:r>
             <a:r>
-              <a:rPr lang="en-US" dirty="0" err="1" smtClean="0"/>
+              <a:rPr lang="en-US" dirty="0" err="1"/>
               <a:t>hist</a:t>
             </a:r>
             <a:r>
-              <a:rPr lang="en-US" dirty="0" smtClean="0"/>
-              <a:t>(c(3:14,4,5,6,5,6,6</a:t>
-            </a:r>
-            <a:r>
               <a:rPr lang="en-US" dirty="0"/>
-              <a:t>),main="",col="#EF8F36")</a:t>
+              <a:t>(c(3:14,4,5,6,5,6,6),main="",col="#EF8F36")</a:t>
             </a:r>
             <a:endParaRPr lang="fr-FR" dirty="0"/>
           </a:p>
@@ -3987,8 +3945,8 @@
           <a:lstStyle/>
           <a:p>
             <a:r>
-              <a:rPr lang="fr-FR" dirty="0" err="1" smtClean="0"/>
-              <a:t>Sauvergarder</a:t>
+              <a:rPr lang="fr-FR"/>
+              <a:t>Sauvegarder</a:t>
             </a:r>
             <a:endParaRPr lang="fr-FR" dirty="0"/>
           </a:p>
@@ -4010,40 +3968,39 @@
           <a:lstStyle/>
           <a:p>
             <a:r>
-              <a:rPr lang="fr-FR" dirty="0" smtClean="0"/>
+              <a:rPr lang="fr-FR" dirty="0"/>
               <a:t>Démarrer le graphique par </a:t>
             </a:r>
             <a:r>
-              <a:rPr lang="fr-FR" dirty="0" err="1" smtClean="0"/>
+              <a:rPr lang="fr-FR" dirty="0" err="1"/>
               <a:t>pdf</a:t>
             </a:r>
             <a:r>
-              <a:rPr lang="fr-FR" dirty="0" smtClean="0"/>
+              <a:rPr lang="fr-FR" dirty="0"/>
               <a:t>() ou </a:t>
             </a:r>
             <a:r>
-              <a:rPr lang="fr-FR" dirty="0" err="1" smtClean="0"/>
+              <a:rPr lang="fr-FR" dirty="0" err="1"/>
               <a:t>png</a:t>
             </a:r>
             <a:r>
-              <a:rPr lang="fr-FR" dirty="0" smtClean="0"/>
+              <a:rPr lang="fr-FR" dirty="0"/>
               <a:t>()</a:t>
             </a:r>
           </a:p>
           <a:p>
             <a:r>
-              <a:rPr lang="fr-FR" dirty="0" smtClean="0"/>
+              <a:rPr lang="fr-FR" dirty="0"/>
               <a:t>Déclencher la sauvegarde par </a:t>
             </a:r>
             <a:r>
-              <a:rPr lang="fr-FR" dirty="0" err="1" smtClean="0"/>
+              <a:rPr lang="fr-FR" dirty="0" err="1"/>
               <a:t>dev.off</a:t>
             </a:r>
             <a:r>
-              <a:rPr lang="fr-FR" dirty="0" smtClean="0"/>
+              <a:rPr lang="fr-FR" dirty="0"/>
               <a:t>()</a:t>
             </a:r>
-            <a:endParaRPr lang="fr-FR" dirty="0"/>
           </a:p>
         </p:txBody>
       </p:sp>
@@ -4117,10 +4074,9 @@
           <a:lstStyle/>
           <a:p>
             <a:r>
-              <a:rPr lang="fr-FR" dirty="0" smtClean="0"/>
+              <a:rPr lang="fr-FR" dirty="0"/>
               <a:t>Plot</a:t>
             </a:r>
-            <a:endParaRPr lang="fr-FR" dirty="0"/>
           </a:p>
         </p:txBody>
       </p:sp>
@@ -4140,13 +4096,13 @@
           <a:lstStyle/>
           <a:p>
             <a:r>
-              <a:rPr lang="fr-FR" dirty="0" smtClean="0"/>
+              <a:rPr lang="fr-FR" dirty="0"/>
               <a:t>Fonction graphique 2D</a:t>
             </a:r>
           </a:p>
           <a:p>
             <a:r>
-              <a:rPr lang="fr-FR" dirty="0" smtClean="0"/>
+              <a:rPr lang="fr-FR" dirty="0"/>
               <a:t>Très fournis</a:t>
             </a:r>
           </a:p>
@@ -4186,13 +4142,6 @@
   <p:clrMapOvr>
     <a:masterClrMapping/>
   </p:clrMapOvr>
-  <p:timing>
-    <p:tnLst>
-      <p:par>
-        <p:cTn id="1" dur="indefinite" restart="never" nodeType="tmRoot"/>
-      </p:par>
-    </p:tnLst>
-  </p:timing>
 </p:sld>
 </file>
 
@@ -4229,10 +4178,9 @@
           <a:lstStyle/>
           <a:p>
             <a:r>
-              <a:rPr lang="fr-FR" dirty="0" smtClean="0"/>
+              <a:rPr lang="fr-FR" dirty="0"/>
               <a:t>plot</a:t>
             </a:r>
-            <a:endParaRPr lang="fr-FR" dirty="0"/>
           </a:p>
         </p:txBody>
       </p:sp>
@@ -4252,7 +4200,7 @@
           <a:lstStyle/>
           <a:p>
             <a:r>
-              <a:rPr lang="fr-FR" dirty="0" smtClean="0"/>
+              <a:rPr lang="fr-FR" dirty="0"/>
               <a:t>La fonction plot affiche un nuage de point</a:t>
             </a:r>
           </a:p>
@@ -4298,13 +4246,6 @@
   <p:clrMapOvr>
     <a:masterClrMapping/>
   </p:clrMapOvr>
-  <p:timing>
-    <p:tnLst>
-      <p:par>
-        <p:cTn id="1" dur="indefinite" restart="never" nodeType="tmRoot"/>
-      </p:par>
-    </p:tnLst>
-  </p:timing>
 </p:sld>
 </file>
 
@@ -4341,10 +4282,9 @@
           <a:lstStyle/>
           <a:p>
             <a:r>
-              <a:rPr lang="fr-FR" dirty="0" smtClean="0"/>
+              <a:rPr lang="fr-FR" dirty="0"/>
               <a:t>plot</a:t>
             </a:r>
-            <a:endParaRPr lang="fr-FR" dirty="0"/>
           </a:p>
         </p:txBody>
       </p:sp>
@@ -4404,13 +4344,6 @@
   <p:clrMapOvr>
     <a:masterClrMapping/>
   </p:clrMapOvr>
-  <p:timing>
-    <p:tnLst>
-      <p:par>
-        <p:cTn id="1" dur="indefinite" restart="never" nodeType="tmRoot"/>
-      </p:par>
-    </p:tnLst>
-  </p:timing>
 </p:sld>
 </file>
 
@@ -4447,10 +4380,9 @@
           <a:lstStyle/>
           <a:p>
             <a:r>
-              <a:rPr lang="fr-FR" dirty="0" smtClean="0"/>
+              <a:rPr lang="fr-FR" dirty="0"/>
               <a:t>plot</a:t>
             </a:r>
-            <a:endParaRPr lang="fr-FR" dirty="0"/>
           </a:p>
         </p:txBody>
       </p:sp>
@@ -4470,15 +4402,15 @@
           <a:lstStyle/>
           <a:p>
             <a:r>
-              <a:rPr lang="fr-FR" dirty="0" smtClean="0"/>
+              <a:rPr lang="fr-FR" dirty="0"/>
               <a:t>plot(</a:t>
             </a:r>
             <a:r>
-              <a:rPr lang="fr-FR" dirty="0" err="1" smtClean="0"/>
+              <a:rPr lang="fr-FR" dirty="0" err="1"/>
               <a:t>x,y</a:t>
             </a:r>
             <a:r>
-              <a:rPr lang="fr-FR" dirty="0" smtClean="0"/>
+              <a:rPr lang="fr-FR" dirty="0"/>
               <a:t>)</a:t>
             </a:r>
           </a:p>
@@ -4486,152 +4418,131 @@
             <a:pPr lvl="1"/>
             <a:r>
               <a:rPr lang="fr-FR" dirty="0"/>
-              <a:t>x</a:t>
-            </a:r>
-            <a:r>
-              <a:rPr lang="fr-FR" dirty="0" smtClean="0"/>
-              <a:t> et y sont les listes à 1 dimension de même longueur</a:t>
-            </a:r>
-          </a:p>
-          <a:p>
-            <a:r>
-              <a:rPr lang="fr-FR" dirty="0" smtClean="0"/>
-              <a:t>plot(x</a:t>
-            </a:r>
+              <a:t>x et y sont les listes à 1 dimension de même longueur</a:t>
+            </a:r>
+          </a:p>
+          <a:p>
             <a:r>
               <a:rPr lang="fr-FR" dirty="0"/>
-              <a:t>, </a:t>
-            </a:r>
-            <a:r>
-              <a:rPr lang="fr-FR" dirty="0" smtClean="0"/>
-              <a:t>y</a:t>
-            </a:r>
-            <a:r>
-              <a:rPr lang="fr-FR" dirty="0" smtClean="0"/>
-              <a:t>, </a:t>
-            </a:r>
-            <a:r>
-              <a:rPr lang="fr-FR" dirty="0" err="1" smtClean="0"/>
+              <a:t>plot(x, y, </a:t>
+            </a:r>
+            <a:r>
+              <a:rPr lang="fr-FR" dirty="0" err="1"/>
               <a:t>pch</a:t>
             </a:r>
             <a:r>
-              <a:rPr lang="fr-FR" dirty="0" smtClean="0"/>
-              <a:t> = 1</a:t>
-            </a:r>
-            <a:r>
-              <a:rPr lang="fr-FR" dirty="0" smtClean="0"/>
-              <a:t>)</a:t>
-            </a:r>
-            <a:endParaRPr lang="fr-FR" dirty="0" smtClean="0"/>
+              <a:rPr lang="fr-FR" dirty="0"/>
+              <a:t> = 1)</a:t>
+            </a:r>
           </a:p>
           <a:p>
             <a:pPr lvl="1"/>
             <a:r>
-              <a:rPr lang="fr-FR" dirty="0" err="1" smtClean="0"/>
+              <a:rPr lang="fr-FR" dirty="0" err="1"/>
               <a:t>pch</a:t>
             </a:r>
-            <a:endParaRPr lang="fr-FR" dirty="0" smtClean="0"/>
+            <a:endParaRPr lang="fr-FR" dirty="0"/>
           </a:p>
           <a:p>
             <a:pPr lvl="1"/>
             <a:r>
-              <a:rPr lang="fr-FR" dirty="0" smtClean="0"/>
+              <a:rPr lang="fr-FR" dirty="0"/>
               <a:t>col = couleur</a:t>
             </a:r>
           </a:p>
           <a:p>
             <a:pPr lvl="1"/>
             <a:r>
-              <a:rPr lang="fr-FR" dirty="0" smtClean="0"/>
+              <a:rPr lang="fr-FR" dirty="0"/>
               <a:t>col = "</a:t>
             </a:r>
             <a:r>
-              <a:rPr lang="fr-FR" dirty="0" err="1" smtClean="0"/>
+              <a:rPr lang="fr-FR" dirty="0" err="1"/>
               <a:t>red</a:t>
             </a:r>
             <a:r>
-              <a:rPr lang="fr-FR" dirty="0" smtClean="0"/>
+              <a:rPr lang="fr-FR" dirty="0"/>
               <a:t>"</a:t>
             </a:r>
           </a:p>
           <a:p>
             <a:pPr lvl="1"/>
             <a:r>
-              <a:rPr lang="fr-FR" dirty="0" smtClean="0"/>
+              <a:rPr lang="fr-FR" dirty="0"/>
               <a:t>col = c("</a:t>
             </a:r>
             <a:r>
-              <a:rPr lang="fr-FR" dirty="0" err="1" smtClean="0"/>
+              <a:rPr lang="fr-FR" dirty="0" err="1"/>
               <a:t>red</a:t>
             </a:r>
             <a:r>
-              <a:rPr lang="fr-FR" dirty="0" smtClean="0"/>
+              <a:rPr lang="fr-FR" dirty="0"/>
               <a:t>","</a:t>
             </a:r>
             <a:r>
-              <a:rPr lang="fr-FR" dirty="0" err="1" smtClean="0"/>
+              <a:rPr lang="fr-FR" dirty="0" err="1"/>
               <a:t>blue</a:t>
             </a:r>
             <a:r>
-              <a:rPr lang="fr-FR" dirty="0" smtClean="0"/>
+              <a:rPr lang="fr-FR" dirty="0"/>
               <a:t>")</a:t>
             </a:r>
           </a:p>
           <a:p>
             <a:pPr lvl="1"/>
             <a:r>
-              <a:rPr lang="fr-FR" dirty="0" smtClean="0"/>
+              <a:rPr lang="fr-FR" dirty="0"/>
               <a:t>main = </a:t>
             </a:r>
             <a:r>
-              <a:rPr lang="fr-FR" dirty="0" err="1" smtClean="0"/>
+              <a:rPr lang="fr-FR" dirty="0" err="1"/>
               <a:t>title</a:t>
             </a:r>
-            <a:endParaRPr lang="fr-FR" dirty="0" smtClean="0"/>
+            <a:endParaRPr lang="fr-FR" dirty="0"/>
           </a:p>
           <a:p>
             <a:pPr lvl="1"/>
             <a:r>
-              <a:rPr lang="fr-FR" dirty="0" err="1" smtClean="0"/>
+              <a:rPr lang="fr-FR" dirty="0" err="1"/>
               <a:t>sub</a:t>
             </a:r>
             <a:r>
-              <a:rPr lang="fr-FR" dirty="0" smtClean="0"/>
+              <a:rPr lang="fr-FR" dirty="0"/>
               <a:t> = </a:t>
             </a:r>
             <a:r>
-              <a:rPr lang="fr-FR" dirty="0" err="1" smtClean="0"/>
+              <a:rPr lang="fr-FR" dirty="0" err="1"/>
               <a:t>subtitle</a:t>
             </a:r>
-            <a:endParaRPr lang="fr-FR" dirty="0" smtClean="0"/>
+            <a:endParaRPr lang="fr-FR" dirty="0"/>
           </a:p>
           <a:p>
             <a:pPr lvl="1"/>
             <a:r>
-              <a:rPr lang="fr-FR" dirty="0" err="1" smtClean="0"/>
+              <a:rPr lang="fr-FR" dirty="0" err="1"/>
               <a:t>cex</a:t>
             </a:r>
             <a:r>
-              <a:rPr lang="fr-FR" dirty="0" smtClean="0"/>
+              <a:rPr lang="fr-FR" dirty="0"/>
               <a:t> = taille des points</a:t>
             </a:r>
           </a:p>
           <a:p>
             <a:pPr lvl="1"/>
             <a:r>
-              <a:rPr lang="fr-FR" dirty="0" err="1" smtClean="0"/>
+              <a:rPr lang="fr-FR" dirty="0" err="1"/>
               <a:t>lwd</a:t>
             </a:r>
             <a:r>
-              <a:rPr lang="fr-FR" dirty="0" smtClean="0"/>
+              <a:rPr lang="fr-FR" dirty="0"/>
               <a:t> = </a:t>
             </a:r>
             <a:r>
-              <a:rPr lang="fr-FR" dirty="0" err="1" smtClean="0"/>
+              <a:rPr lang="fr-FR" dirty="0" err="1"/>
               <a:t>epaisseur</a:t>
             </a:r>
             <a:r>
-              <a:rPr lang="fr-FR" dirty="0" smtClean="0"/>
+              <a:rPr lang="fr-FR" dirty="0"/>
               <a:t> des lignes</a:t>
             </a:r>
           </a:p>
@@ -4688,13 +4599,6 @@
   <p:clrMapOvr>
     <a:masterClrMapping/>
   </p:clrMapOvr>
-  <p:timing>
-    <p:tnLst>
-      <p:par>
-        <p:cTn id="1" dur="indefinite" restart="never" nodeType="tmRoot"/>
-      </p:par>
-    </p:tnLst>
-  </p:timing>
 </p:sld>
 </file>
 
@@ -4731,10 +4635,9 @@
           <a:lstStyle/>
           <a:p>
             <a:r>
-              <a:rPr lang="fr-FR" dirty="0" smtClean="0"/>
+              <a:rPr lang="fr-FR" dirty="0"/>
               <a:t>Plot type</a:t>
             </a:r>
-            <a:endParaRPr lang="fr-FR" dirty="0"/>
           </a:p>
         </p:txBody>
       </p:sp>
@@ -4819,11 +4722,7 @@
             </a:r>
             <a:r>
               <a:rPr lang="fr-FR" sz="2400" dirty="0"/>
-              <a:t>="s")    # en marches type "histogramme</a:t>
-            </a:r>
-            <a:r>
-              <a:rPr lang="fr-FR" sz="2400" dirty="0" smtClean="0"/>
-              <a:t>"</a:t>
+              <a:t>="s")    # en marches type "histogramme"</a:t>
             </a:r>
           </a:p>
           <a:p>
@@ -4831,14 +4730,14 @@
           </a:p>
           <a:p>
             <a:r>
-              <a:rPr lang="fr-FR" sz="2400" dirty="0" smtClean="0"/>
+              <a:rPr lang="fr-FR" sz="2400" dirty="0"/>
               <a:t>Diagramme en bar</a:t>
             </a:r>
           </a:p>
           <a:p>
             <a:pPr lvl="1"/>
             <a:r>
-              <a:rPr lang="fr-FR" sz="2000" dirty="0" err="1" smtClean="0"/>
+              <a:rPr lang="fr-FR" sz="2000" dirty="0" err="1"/>
               <a:t>barplot</a:t>
             </a:r>
             <a:endParaRPr lang="fr-FR" sz="2000" dirty="0"/>
@@ -4915,11 +4814,11 @@
           <a:lstStyle/>
           <a:p>
             <a:r>
-              <a:rPr lang="fr-FR" dirty="0" smtClean="0"/>
+              <a:rPr lang="fr-FR" dirty="0"/>
               <a:t>Plot </a:t>
             </a:r>
             <a:r>
-              <a:rPr lang="fr-FR" dirty="0" err="1" smtClean="0"/>
+              <a:rPr lang="fr-FR" dirty="0" err="1"/>
               <a:t>lty</a:t>
             </a:r>
             <a:endParaRPr lang="fr-FR" dirty="0"/>
@@ -4942,11 +4841,11 @@
           <a:lstStyle/>
           <a:p>
             <a:r>
-              <a:rPr lang="fr-FR" dirty="0" err="1" smtClean="0"/>
+              <a:rPr lang="fr-FR" dirty="0" err="1"/>
               <a:t>lty</a:t>
             </a:r>
             <a:r>
-              <a:rPr lang="fr-FR" dirty="0" smtClean="0"/>
+              <a:rPr lang="fr-FR" dirty="0"/>
               <a:t> = type de ligne</a:t>
             </a:r>
           </a:p>
@@ -4954,35 +4853,35 @@
             <a:endParaRPr lang="fr-FR" dirty="0"/>
           </a:p>
           <a:p>
-            <a:endParaRPr lang="fr-FR" dirty="0" smtClean="0"/>
-          </a:p>
-          <a:p>
             <a:endParaRPr lang="fr-FR" dirty="0"/>
           </a:p>
           <a:p>
-            <a:endParaRPr lang="fr-FR" dirty="0" smtClean="0"/>
-          </a:p>
-          <a:p>
             <a:endParaRPr lang="fr-FR" dirty="0"/>
           </a:p>
           <a:p>
-            <a:endParaRPr lang="fr-FR" dirty="0" smtClean="0"/>
-          </a:p>
-          <a:p>
-            <a:r>
-              <a:rPr lang="fr-FR" dirty="0" err="1" smtClean="0"/>
+            <a:endParaRPr lang="fr-FR" dirty="0"/>
+          </a:p>
+          <a:p>
+            <a:endParaRPr lang="fr-FR" dirty="0"/>
+          </a:p>
+          <a:p>
+            <a:endParaRPr lang="fr-FR" dirty="0"/>
+          </a:p>
+          <a:p>
+            <a:r>
+              <a:rPr lang="fr-FR" dirty="0" err="1"/>
               <a:t>xlib</a:t>
             </a:r>
             <a:r>
-              <a:rPr lang="fr-FR" dirty="0" smtClean="0"/>
+              <a:rPr lang="fr-FR" dirty="0"/>
               <a:t>, </a:t>
             </a:r>
             <a:r>
-              <a:rPr lang="fr-FR" dirty="0" err="1" smtClean="0"/>
+              <a:rPr lang="fr-FR" dirty="0" err="1"/>
               <a:t>ylib</a:t>
             </a:r>
             <a:r>
-              <a:rPr lang="fr-FR" dirty="0" smtClean="0"/>
+              <a:rPr lang="fr-FR" dirty="0"/>
               <a:t> = libellé de l'axe x ou y</a:t>
             </a:r>
           </a:p>
@@ -4993,13 +4892,8 @@
             </a:r>
             <a:r>
               <a:rPr lang="fr-FR" dirty="0"/>
-              <a:t>=c(0,10</a:t>
-            </a:r>
-            <a:r>
-              <a:rPr lang="fr-FR" dirty="0" smtClean="0"/>
-              <a:t>) = limites de l'axe x</a:t>
-            </a:r>
-            <a:endParaRPr lang="fr-FR" dirty="0"/>
+              <a:t>=c(0,10) = limites de l'axe x</a:t>
+            </a:r>
           </a:p>
         </p:txBody>
       </p:sp>
@@ -5073,10 +4967,9 @@
           <a:lstStyle/>
           <a:p>
             <a:r>
-              <a:rPr lang="fr-FR" dirty="0" smtClean="0"/>
+              <a:rPr lang="fr-FR" dirty="0"/>
               <a:t>Superposition</a:t>
             </a:r>
-            <a:endParaRPr lang="fr-FR" dirty="0"/>
           </a:p>
         </p:txBody>
       </p:sp>
@@ -5096,14 +4989,14 @@
           <a:lstStyle/>
           <a:p>
             <a:r>
-              <a:rPr lang="fr-FR" dirty="0" smtClean="0"/>
+              <a:rPr lang="fr-FR" dirty="0"/>
               <a:t>Points permet de superposer des courbes à plot</a:t>
             </a:r>
           </a:p>
           <a:p>
             <a:pPr lvl="1"/>
             <a:r>
-              <a:rPr lang="fr-FR" dirty="0" smtClean="0"/>
+              <a:rPr lang="fr-FR" dirty="0"/>
               <a:t>Fonctionne comme plot</a:t>
             </a:r>
           </a:p>
@@ -5207,7 +5100,7 @@
           <a:lstStyle/>
           <a:p>
             <a:r>
-              <a:rPr lang="fr-FR" dirty="0" err="1" smtClean="0"/>
+              <a:rPr lang="fr-FR" dirty="0" err="1"/>
               <a:t>abline</a:t>
             </a:r>
             <a:endParaRPr lang="fr-FR" dirty="0"/>
@@ -5230,22 +5123,22 @@
           <a:lstStyle/>
           <a:p>
             <a:r>
-              <a:rPr lang="fr-FR" dirty="0" err="1" smtClean="0"/>
+              <a:rPr lang="fr-FR" dirty="0" err="1"/>
               <a:t>abline</a:t>
             </a:r>
             <a:r>
-              <a:rPr lang="fr-FR" dirty="0" smtClean="0"/>
+              <a:rPr lang="fr-FR" dirty="0"/>
               <a:t> permet d'afficher une fonction affine</a:t>
             </a:r>
           </a:p>
           <a:p>
             <a:pPr lvl="1"/>
             <a:r>
-              <a:rPr lang="fr-FR" dirty="0" smtClean="0"/>
+              <a:rPr lang="fr-FR" dirty="0"/>
               <a:t>A voir dans le </a:t>
             </a:r>
             <a:r>
-              <a:rPr lang="fr-FR" smtClean="0"/>
+              <a:rPr lang="fr-FR"/>
               <a:t>prochain chapitre</a:t>
             </a:r>
             <a:endParaRPr lang="fr-FR" dirty="0"/>
